--- a/fig_mtl.pptx
+++ b/fig_mtl.pptx
@@ -5626,10 +5626,10 @@
           <a:p>
             <a:pPr algn="ctr"/>
             <a:r>
-              <a:rPr lang="en-US" altLang="ko" sz="1000"/>
+              <a:rPr lang="en-US" altLang="ko" sz="1000" dirty="0"/>
               <a:t>Shared Layers</a:t>
             </a:r>
-            <a:endParaRPr sz="1000"/>
+            <a:endParaRPr sz="1000" dirty="0"/>
           </a:p>
         </p:txBody>
       </p:sp>
@@ -5668,10 +5668,10 @@
           <a:p>
             <a:pPr algn="ctr"/>
             <a:r>
-              <a:rPr lang="en-US" altLang="ko" sz="1000"/>
+              <a:rPr lang="en-US" altLang="ko" sz="1000" dirty="0"/>
               <a:t>Shared Layers ( Main Task 1 )</a:t>
             </a:r>
-            <a:endParaRPr sz="1000"/>
+            <a:endParaRPr sz="1000" dirty="0"/>
           </a:p>
         </p:txBody>
       </p:sp>
@@ -5710,10 +5710,10 @@
           <a:p>
             <a:pPr algn="ctr"/>
             <a:r>
-              <a:rPr lang="en-US" altLang="ko" sz="1000"/>
+              <a:rPr lang="en-US" altLang="ko" sz="1000" dirty="0"/>
               <a:t>Shared Layers ( Main Task 2 )</a:t>
             </a:r>
-            <a:endParaRPr sz="1000"/>
+            <a:endParaRPr sz="1000" dirty="0"/>
           </a:p>
         </p:txBody>
       </p:sp>
@@ -5756,17 +5756,17 @@
               </a:lnSpc>
             </a:pPr>
             <a:r>
-              <a:rPr lang="en-US" altLang="ko" sz="800"/>
-              <a:t>Task Specific Layer </a:t>
+              <a:rPr lang="en-US" altLang="ko" sz="800" dirty="0"/>
+              <a:t>Task Specific Layers </a:t>
             </a:r>
             <a:br>
-              <a:rPr lang="en-US" altLang="ko" sz="800"/>
+              <a:rPr lang="en-US" altLang="ko" sz="800" dirty="0"/>
             </a:br>
             <a:r>
-              <a:rPr lang="en-US" altLang="ko" sz="800"/>
+              <a:rPr lang="en-US" altLang="ko" sz="800" dirty="0"/>
               <a:t>( Sub-Task 1-1 )</a:t>
             </a:r>
-            <a:endParaRPr sz="800"/>
+            <a:endParaRPr sz="800" dirty="0"/>
           </a:p>
         </p:txBody>
       </p:sp>
@@ -5809,18 +5809,18 @@
               </a:lnSpc>
             </a:pPr>
             <a:r>
-              <a:rPr lang="en-US" altLang="ko" sz="800"/>
-              <a:t>Task Specific Layer </a:t>
+              <a:rPr lang="en-US" altLang="ko" sz="800" dirty="0"/>
+              <a:t>Task Specific Layers </a:t>
             </a:r>
             <a:br>
-              <a:rPr lang="en-US" altLang="ko" sz="800"/>
+              <a:rPr lang="en-US" altLang="ko" sz="800" dirty="0"/>
             </a:br>
             <a:r>
-              <a:rPr lang="en-US" altLang="ko" sz="800"/>
+              <a:rPr lang="en-US" altLang="ko" sz="800" dirty="0"/>
               <a:t>( </a:t>
             </a:r>
             <a:r>
-              <a:rPr lang="en-US" altLang="ko" sz="800">
+              <a:rPr lang="en-US" altLang="ko" sz="800" dirty="0">
                 <a:solidFill>
                   <a:schemeClr val="dk1"/>
                 </a:solidFill>
@@ -5828,14 +5828,14 @@
               <a:t>Sub-Task</a:t>
             </a:r>
             <a:r>
-              <a:rPr lang="ko" altLang="en-US" sz="800"/>
+              <a:rPr lang="ko" altLang="en-US" sz="800" dirty="0"/>
               <a:t> </a:t>
             </a:r>
             <a:r>
-              <a:rPr lang="en-US" altLang="ko" sz="800"/>
+              <a:rPr lang="en-US" altLang="ko" sz="800" dirty="0"/>
               <a:t>1-M )</a:t>
             </a:r>
-            <a:endParaRPr sz="800"/>
+            <a:endParaRPr sz="800" dirty="0"/>
           </a:p>
         </p:txBody>
       </p:sp>
@@ -5878,18 +5878,18 @@
               </a:lnSpc>
             </a:pPr>
             <a:r>
-              <a:rPr lang="en-US" altLang="ko" sz="800"/>
-              <a:t>Task Specific Layer </a:t>
+              <a:rPr lang="en-US" altLang="ko" sz="800" dirty="0"/>
+              <a:t>Task Specific Layers </a:t>
             </a:r>
             <a:br>
-              <a:rPr lang="en-US" altLang="ko" sz="800"/>
+              <a:rPr lang="en-US" altLang="ko" sz="800" dirty="0"/>
             </a:br>
             <a:r>
-              <a:rPr lang="en-US" altLang="ko" sz="800"/>
+              <a:rPr lang="en-US" altLang="ko" sz="800" dirty="0"/>
               <a:t>( </a:t>
             </a:r>
             <a:r>
-              <a:rPr lang="en-US" altLang="ko" sz="800">
+              <a:rPr lang="en-US" altLang="ko" sz="800" dirty="0">
                 <a:solidFill>
                   <a:schemeClr val="dk1"/>
                 </a:solidFill>
@@ -5897,14 +5897,14 @@
               <a:t>Sub-Task</a:t>
             </a:r>
             <a:r>
-              <a:rPr lang="ko" altLang="en-US" sz="800"/>
+              <a:rPr lang="ko" altLang="en-US" sz="800" dirty="0"/>
               <a:t> </a:t>
             </a:r>
             <a:r>
-              <a:rPr lang="en-US" altLang="ko" sz="800"/>
+              <a:rPr lang="en-US" altLang="ko" sz="800" dirty="0"/>
               <a:t>2-1 )</a:t>
             </a:r>
-            <a:endParaRPr sz="800"/>
+            <a:endParaRPr sz="800" dirty="0"/>
           </a:p>
         </p:txBody>
       </p:sp>
@@ -5947,18 +5947,18 @@
               </a:lnSpc>
             </a:pPr>
             <a:r>
-              <a:rPr lang="en-US" altLang="ko" sz="800"/>
-              <a:t>Task Specific Layer </a:t>
+              <a:rPr lang="en-US" altLang="ko" sz="800" dirty="0"/>
+              <a:t>Task Specific Layers </a:t>
             </a:r>
             <a:br>
-              <a:rPr lang="en-US" altLang="ko" sz="800"/>
+              <a:rPr lang="en-US" altLang="ko" sz="800" dirty="0"/>
             </a:br>
             <a:r>
-              <a:rPr lang="en-US" altLang="ko" sz="800"/>
+              <a:rPr lang="en-US" altLang="ko" sz="800" dirty="0"/>
               <a:t>( </a:t>
             </a:r>
             <a:r>
-              <a:rPr lang="en-US" altLang="ko" sz="800">
+              <a:rPr lang="en-US" altLang="ko" sz="800" dirty="0">
                 <a:solidFill>
                   <a:schemeClr val="dk1"/>
                 </a:solidFill>
@@ -5966,14 +5966,14 @@
               <a:t>Sub-Task</a:t>
             </a:r>
             <a:r>
-              <a:rPr lang="ko" altLang="en-US" sz="800"/>
+              <a:rPr lang="ko" altLang="en-US" sz="800" dirty="0"/>
               <a:t> </a:t>
             </a:r>
             <a:r>
-              <a:rPr lang="en-US" altLang="ko" sz="800"/>
+              <a:rPr lang="en-US" altLang="ko" sz="800" dirty="0"/>
               <a:t>2-N )</a:t>
             </a:r>
-            <a:endParaRPr sz="800"/>
+            <a:endParaRPr sz="800" dirty="0"/>
           </a:p>
         </p:txBody>
       </p:sp>
